--- a/27 - Praise the Saviour, All Ye Nations.pptx
+++ b/27 - Praise the Saviour, All Ye Nations.pptx
@@ -243,7 +243,7 @@
           <a:p>
             <a:fld id="{32F7251A-AE54-443C-B8FE-5F636E835EBF}" type="datetimeFigureOut">
               <a:rPr lang="en-US" smtClean="0"/>
-              <a:t>10/14/2018</a:t>
+              <a:t>2/9/2020</a:t>
             </a:fld>
             <a:endParaRPr lang="en-US"/>
           </a:p>
@@ -411,7 +411,7 @@
           <a:p>
             <a:fld id="{32F7251A-AE54-443C-B8FE-5F636E835EBF}" type="datetimeFigureOut">
               <a:rPr lang="en-US" smtClean="0"/>
-              <a:t>10/14/2018</a:t>
+              <a:t>2/9/2020</a:t>
             </a:fld>
             <a:endParaRPr lang="en-US"/>
           </a:p>
@@ -589,7 +589,7 @@
           <a:p>
             <a:fld id="{32F7251A-AE54-443C-B8FE-5F636E835EBF}" type="datetimeFigureOut">
               <a:rPr lang="en-US" smtClean="0"/>
-              <a:t>10/14/2018</a:t>
+              <a:t>2/9/2020</a:t>
             </a:fld>
             <a:endParaRPr lang="en-US"/>
           </a:p>
@@ -757,7 +757,7 @@
           <a:p>
             <a:fld id="{32F7251A-AE54-443C-B8FE-5F636E835EBF}" type="datetimeFigureOut">
               <a:rPr lang="en-US" smtClean="0"/>
-              <a:t>10/14/2018</a:t>
+              <a:t>2/9/2020</a:t>
             </a:fld>
             <a:endParaRPr lang="en-US"/>
           </a:p>
@@ -1002,7 +1002,7 @@
           <a:p>
             <a:fld id="{32F7251A-AE54-443C-B8FE-5F636E835EBF}" type="datetimeFigureOut">
               <a:rPr lang="en-US" smtClean="0"/>
-              <a:t>10/14/2018</a:t>
+              <a:t>2/9/2020</a:t>
             </a:fld>
             <a:endParaRPr lang="en-US"/>
           </a:p>
@@ -1231,7 +1231,7 @@
           <a:p>
             <a:fld id="{32F7251A-AE54-443C-B8FE-5F636E835EBF}" type="datetimeFigureOut">
               <a:rPr lang="en-US" smtClean="0"/>
-              <a:t>10/14/2018</a:t>
+              <a:t>2/9/2020</a:t>
             </a:fld>
             <a:endParaRPr lang="en-US"/>
           </a:p>
@@ -1595,7 +1595,7 @@
           <a:p>
             <a:fld id="{32F7251A-AE54-443C-B8FE-5F636E835EBF}" type="datetimeFigureOut">
               <a:rPr lang="en-US" smtClean="0"/>
-              <a:t>10/14/2018</a:t>
+              <a:t>2/9/2020</a:t>
             </a:fld>
             <a:endParaRPr lang="en-US"/>
           </a:p>
@@ -1712,7 +1712,7 @@
           <a:p>
             <a:fld id="{32F7251A-AE54-443C-B8FE-5F636E835EBF}" type="datetimeFigureOut">
               <a:rPr lang="en-US" smtClean="0"/>
-              <a:t>10/14/2018</a:t>
+              <a:t>2/9/2020</a:t>
             </a:fld>
             <a:endParaRPr lang="en-US"/>
           </a:p>
@@ -1807,7 +1807,7 @@
           <a:p>
             <a:fld id="{32F7251A-AE54-443C-B8FE-5F636E835EBF}" type="datetimeFigureOut">
               <a:rPr lang="en-US" smtClean="0"/>
-              <a:t>10/14/2018</a:t>
+              <a:t>2/9/2020</a:t>
             </a:fld>
             <a:endParaRPr lang="en-US"/>
           </a:p>
@@ -2082,7 +2082,7 @@
           <a:p>
             <a:fld id="{32F7251A-AE54-443C-B8FE-5F636E835EBF}" type="datetimeFigureOut">
               <a:rPr lang="en-US" smtClean="0"/>
-              <a:t>10/14/2018</a:t>
+              <a:t>2/9/2020</a:t>
             </a:fld>
             <a:endParaRPr lang="en-US"/>
           </a:p>
@@ -2334,7 +2334,7 @@
           <a:p>
             <a:fld id="{32F7251A-AE54-443C-B8FE-5F636E835EBF}" type="datetimeFigureOut">
               <a:rPr lang="en-US" smtClean="0"/>
-              <a:t>10/14/2018</a:t>
+              <a:t>2/9/2020</a:t>
             </a:fld>
             <a:endParaRPr lang="en-US"/>
           </a:p>
@@ -2401,7 +2401,9 @@
     <p:bg>
       <p:bgPr>
         <a:solidFill>
-          <a:srgbClr val="333333"/>
+          <a:schemeClr val="bg1">
+            <a:lumMod val="10000"/>
+          </a:schemeClr>
         </a:solidFill>
         <a:effectLst/>
       </p:bgPr>
@@ -2548,7 +2550,7 @@
           <a:p>
             <a:fld id="{32F7251A-AE54-443C-B8FE-5F636E835EBF}" type="datetimeFigureOut">
               <a:rPr lang="en-US" smtClean="0"/>
-              <a:t>10/14/2018</a:t>
+              <a:t>2/9/2020</a:t>
             </a:fld>
             <a:endParaRPr lang="en-US"/>
           </a:p>
@@ -3018,8 +3020,8 @@
         </p:nvSpPr>
         <p:spPr>
           <a:xfrm>
-            <a:off x="0" y="5804209"/>
-            <a:ext cx="12192000" cy="830997"/>
+            <a:off x="0" y="5927320"/>
+            <a:ext cx="12192000" cy="584775"/>
           </a:xfrm>
           <a:prstGeom prst="rect">
             <a:avLst/>
@@ -3034,26 +3036,32 @@
           <a:p>
             <a:pPr algn="ctr"/>
             <a:r>
-              <a:rPr lang="en-US" sz="4800" dirty="0">
+              <a:rPr lang="en-US" sz="3200" u="sng" dirty="0">
                 <a:solidFill>
                   <a:schemeClr val="bg1"/>
                 </a:solidFill>
+                <a:latin typeface="Assistant SemiBold" panose="00000700000000000000" pitchFamily="2" charset="-79"/>
+                <a:cs typeface="Assistant SemiBold" panose="00000700000000000000" pitchFamily="2" charset="-79"/>
               </a:rPr>
               <a:t>“Praise the </a:t>
             </a:r>
             <a:r>
-              <a:rPr lang="en-US" sz="4800" dirty="0" err="1">
+              <a:rPr lang="en-US" sz="3200" u="sng" dirty="0" err="1">
                 <a:solidFill>
                   <a:schemeClr val="bg1"/>
                 </a:solidFill>
+                <a:latin typeface="Assistant SemiBold" panose="00000700000000000000" pitchFamily="2" charset="-79"/>
+                <a:cs typeface="Assistant SemiBold" panose="00000700000000000000" pitchFamily="2" charset="-79"/>
               </a:rPr>
               <a:t>Saviour</a:t>
             </a:r>
             <a:r>
-              <a:rPr lang="en-US" sz="4800" dirty="0">
+              <a:rPr lang="en-US" sz="3200" u="sng" dirty="0">
                 <a:solidFill>
                   <a:schemeClr val="bg1"/>
                 </a:solidFill>
+                <a:latin typeface="Assistant SemiBold" panose="00000700000000000000" pitchFamily="2" charset="-79"/>
+                <a:cs typeface="Assistant SemiBold" panose="00000700000000000000" pitchFamily="2" charset="-79"/>
               </a:rPr>
               <a:t>, All Ye Nations”</a:t>
             </a:r>
@@ -3068,8 +3076,8 @@
         </p:nvSpPr>
         <p:spPr>
           <a:xfrm>
-            <a:off x="0" y="282279"/>
-            <a:ext cx="12192000" cy="5078313"/>
+            <a:off x="0" y="729571"/>
+            <a:ext cx="12192000" cy="3970318"/>
           </a:xfrm>
           <a:prstGeom prst="rect">
             <a:avLst/>
@@ -3084,26 +3092,32 @@
           <a:p>
             <a:pPr algn="ctr"/>
             <a:r>
-              <a:rPr lang="en-US" sz="3600" dirty="0">
+              <a:rPr lang="en-US" sz="2800" spc="50" dirty="0">
                 <a:solidFill>
                   <a:schemeClr val="bg1"/>
                 </a:solidFill>
+                <a:latin typeface="Assistant" panose="00000500000000000000" pitchFamily="2" charset="-79"/>
+                <a:cs typeface="Assistant" panose="00000500000000000000" pitchFamily="2" charset="-79"/>
               </a:rPr>
               <a:t>Praise the </a:t>
             </a:r>
             <a:r>
-              <a:rPr lang="en-US" sz="3600" dirty="0" err="1">
+              <a:rPr lang="en-US" sz="2800" spc="50" dirty="0" err="1">
                 <a:solidFill>
                   <a:schemeClr val="bg1"/>
                 </a:solidFill>
+                <a:latin typeface="Assistant" panose="00000500000000000000" pitchFamily="2" charset="-79"/>
+                <a:cs typeface="Assistant" panose="00000500000000000000" pitchFamily="2" charset="-79"/>
               </a:rPr>
               <a:t>Saviour</a:t>
             </a:r>
             <a:r>
-              <a:rPr lang="en-US" sz="3600" dirty="0">
+              <a:rPr lang="en-US" sz="2800" spc="50" dirty="0">
                 <a:solidFill>
                   <a:schemeClr val="bg1"/>
                 </a:solidFill>
+                <a:latin typeface="Assistant" panose="00000500000000000000" pitchFamily="2" charset="-79"/>
+                <a:cs typeface="Assistant" panose="00000500000000000000" pitchFamily="2" charset="-79"/>
               </a:rPr>
               <a:t>, all ye nations,</a:t>
             </a:r>
@@ -3111,10 +3125,12 @@
           <a:p>
             <a:pPr algn="ctr"/>
             <a:r>
-              <a:rPr lang="en-US" sz="3600" dirty="0">
+              <a:rPr lang="en-US" sz="2800" spc="50" dirty="0">
                 <a:solidFill>
                   <a:schemeClr val="bg1"/>
                 </a:solidFill>
+                <a:latin typeface="Assistant" panose="00000500000000000000" pitchFamily="2" charset="-79"/>
+                <a:cs typeface="Assistant" panose="00000500000000000000" pitchFamily="2" charset="-79"/>
               </a:rPr>
               <a:t>Praise Him, all ye hosts above;</a:t>
             </a:r>
@@ -3122,10 +3138,12 @@
           <a:p>
             <a:pPr algn="ctr"/>
             <a:r>
-              <a:rPr lang="en-US" sz="3600" dirty="0">
+              <a:rPr lang="en-US" sz="2800" spc="50" dirty="0">
                 <a:solidFill>
                   <a:schemeClr val="bg1"/>
                 </a:solidFill>
+                <a:latin typeface="Assistant" panose="00000500000000000000" pitchFamily="2" charset="-79"/>
+                <a:cs typeface="Assistant" panose="00000500000000000000" pitchFamily="2" charset="-79"/>
               </a:rPr>
               <a:t>Shout with joyful acclamations</a:t>
             </a:r>
@@ -3133,29 +3151,35 @@
           <a:p>
             <a:pPr algn="ctr"/>
             <a:r>
-              <a:rPr lang="en-US" sz="3600" dirty="0">
+              <a:rPr lang="en-US" sz="2800" spc="50" dirty="0">
                 <a:solidFill>
                   <a:schemeClr val="bg1"/>
                 </a:solidFill>
+                <a:latin typeface="Assistant" panose="00000500000000000000" pitchFamily="2" charset="-79"/>
+                <a:cs typeface="Assistant" panose="00000500000000000000" pitchFamily="2" charset="-79"/>
               </a:rPr>
               <a:t>His divine, victorious love;</a:t>
             </a:r>
           </a:p>
           <a:p>
             <a:pPr algn="ctr"/>
-            <a:endParaRPr lang="en-US" sz="3600" dirty="0">
+            <a:endParaRPr lang="en-US" sz="2800" spc="50" dirty="0">
               <a:solidFill>
                 <a:schemeClr val="bg1"/>
               </a:solidFill>
+              <a:latin typeface="Assistant" panose="00000500000000000000" pitchFamily="2" charset="-79"/>
+              <a:cs typeface="Assistant" panose="00000500000000000000" pitchFamily="2" charset="-79"/>
             </a:endParaRPr>
           </a:p>
           <a:p>
             <a:pPr algn="ctr"/>
             <a:r>
-              <a:rPr lang="en-US" sz="3600" dirty="0">
+              <a:rPr lang="en-US" sz="2800" spc="50" dirty="0">
                 <a:solidFill>
                   <a:schemeClr val="bg1"/>
                 </a:solidFill>
+                <a:latin typeface="Assistant" panose="00000500000000000000" pitchFamily="2" charset="-79"/>
+                <a:cs typeface="Assistant" panose="00000500000000000000" pitchFamily="2" charset="-79"/>
               </a:rPr>
               <a:t>Be His kingdom now promoted,</a:t>
             </a:r>
@@ -3163,10 +3187,12 @@
           <a:p>
             <a:pPr algn="ctr"/>
             <a:r>
-              <a:rPr lang="en-US" sz="3600" dirty="0">
+              <a:rPr lang="en-US" sz="2800" spc="50" dirty="0">
                 <a:solidFill>
                   <a:schemeClr val="bg1"/>
                 </a:solidFill>
+                <a:latin typeface="Assistant" panose="00000500000000000000" pitchFamily="2" charset="-79"/>
+                <a:cs typeface="Assistant" panose="00000500000000000000" pitchFamily="2" charset="-79"/>
               </a:rPr>
               <a:t>Let the earth her monarch know;</a:t>
             </a:r>
@@ -3174,10 +3200,12 @@
           <a:p>
             <a:pPr algn="ctr"/>
             <a:r>
-              <a:rPr lang="en-US" sz="3600" dirty="0">
+              <a:rPr lang="en-US" sz="2800" spc="50" dirty="0">
                 <a:solidFill>
                   <a:schemeClr val="bg1"/>
                 </a:solidFill>
+                <a:latin typeface="Assistant" panose="00000500000000000000" pitchFamily="2" charset="-79"/>
+                <a:cs typeface="Assistant" panose="00000500000000000000" pitchFamily="2" charset="-79"/>
               </a:rPr>
               <a:t>Be my all to Him devoted,</a:t>
             </a:r>
@@ -3185,10 +3213,12 @@
           <a:p>
             <a:pPr algn="ctr"/>
             <a:r>
-              <a:rPr lang="en-US" sz="3600" dirty="0">
+              <a:rPr lang="en-US" sz="2800" spc="50" dirty="0">
                 <a:solidFill>
                   <a:schemeClr val="bg1"/>
                 </a:solidFill>
+                <a:latin typeface="Assistant" panose="00000500000000000000" pitchFamily="2" charset="-79"/>
+                <a:cs typeface="Assistant" panose="00000500000000000000" pitchFamily="2" charset="-79"/>
               </a:rPr>
               <a:t>To my Lord my all I owe.</a:t>
             </a:r>
@@ -3290,8 +3320,8 @@
         </p:nvSpPr>
         <p:spPr>
           <a:xfrm>
-            <a:off x="0" y="5804209"/>
-            <a:ext cx="12192000" cy="830997"/>
+            <a:off x="0" y="5927320"/>
+            <a:ext cx="12192000" cy="584775"/>
           </a:xfrm>
           <a:prstGeom prst="rect">
             <a:avLst/>
@@ -3306,26 +3336,32 @@
           <a:p>
             <a:pPr algn="ctr"/>
             <a:r>
-              <a:rPr lang="en-US" sz="4800" dirty="0">
+              <a:rPr lang="en-US" sz="3200" u="sng" dirty="0">
                 <a:solidFill>
                   <a:schemeClr val="bg1"/>
                 </a:solidFill>
+                <a:latin typeface="Assistant SemiBold" panose="00000700000000000000" pitchFamily="2" charset="-79"/>
+                <a:cs typeface="Assistant SemiBold" panose="00000700000000000000" pitchFamily="2" charset="-79"/>
               </a:rPr>
               <a:t>“Praise the </a:t>
             </a:r>
             <a:r>
-              <a:rPr lang="en-US" sz="4800" dirty="0" err="1">
+              <a:rPr lang="en-US" sz="3200" u="sng" dirty="0" err="1">
                 <a:solidFill>
                   <a:schemeClr val="bg1"/>
                 </a:solidFill>
+                <a:latin typeface="Assistant SemiBold" panose="00000700000000000000" pitchFamily="2" charset="-79"/>
+                <a:cs typeface="Assistant SemiBold" panose="00000700000000000000" pitchFamily="2" charset="-79"/>
               </a:rPr>
               <a:t>Saviour</a:t>
             </a:r>
             <a:r>
-              <a:rPr lang="en-US" sz="4800" dirty="0">
+              <a:rPr lang="en-US" sz="3200" u="sng" dirty="0">
                 <a:solidFill>
                   <a:schemeClr val="bg1"/>
                 </a:solidFill>
+                <a:latin typeface="Assistant SemiBold" panose="00000700000000000000" pitchFamily="2" charset="-79"/>
+                <a:cs typeface="Assistant SemiBold" panose="00000700000000000000" pitchFamily="2" charset="-79"/>
               </a:rPr>
               <a:t>, All Ye Nations”</a:t>
             </a:r>
@@ -3340,8 +3376,8 @@
         </p:nvSpPr>
         <p:spPr>
           <a:xfrm>
-            <a:off x="0" y="282279"/>
-            <a:ext cx="12192000" cy="5078313"/>
+            <a:off x="-83128" y="729571"/>
+            <a:ext cx="12192000" cy="3970318"/>
           </a:xfrm>
           <a:prstGeom prst="rect">
             <a:avLst/>
@@ -3356,10 +3392,12 @@
           <a:p>
             <a:pPr algn="ctr"/>
             <a:r>
-              <a:rPr lang="en-US" sz="3600" dirty="0">
+              <a:rPr lang="en-US" sz="2800" spc="50" dirty="0">
                 <a:solidFill>
                   <a:schemeClr val="bg1"/>
                 </a:solidFill>
+                <a:latin typeface="Assistant" panose="00000500000000000000" pitchFamily="2" charset="-79"/>
+                <a:cs typeface="Assistant" panose="00000500000000000000" pitchFamily="2" charset="-79"/>
               </a:rPr>
               <a:t>See how beauteous on the mountains</a:t>
             </a:r>
@@ -3367,10 +3405,12 @@
           <a:p>
             <a:pPr algn="ctr"/>
             <a:r>
-              <a:rPr lang="en-US" sz="3600" dirty="0">
+              <a:rPr lang="en-US" sz="2800" spc="50" dirty="0">
                 <a:solidFill>
                   <a:schemeClr val="bg1"/>
                 </a:solidFill>
+                <a:latin typeface="Assistant" panose="00000500000000000000" pitchFamily="2" charset="-79"/>
+                <a:cs typeface="Assistant" panose="00000500000000000000" pitchFamily="2" charset="-79"/>
               </a:rPr>
               <a:t>Are their feet, whose grand design</a:t>
             </a:r>
@@ -3378,10 +3418,12 @@
           <a:p>
             <a:pPr algn="ctr"/>
             <a:r>
-              <a:rPr lang="en-US" sz="3600" dirty="0">
+              <a:rPr lang="en-US" sz="2800" spc="50" dirty="0">
                 <a:solidFill>
                   <a:schemeClr val="bg1"/>
                 </a:solidFill>
+                <a:latin typeface="Assistant" panose="00000500000000000000" pitchFamily="2" charset="-79"/>
+                <a:cs typeface="Assistant" panose="00000500000000000000" pitchFamily="2" charset="-79"/>
               </a:rPr>
               <a:t>Is to guide us to the fountains</a:t>
             </a:r>
@@ -3389,45 +3431,55 @@
           <a:p>
             <a:pPr algn="ctr"/>
             <a:r>
-              <a:rPr lang="en-US" sz="3600" dirty="0">
+              <a:rPr lang="en-US" sz="2800" spc="50" dirty="0">
                 <a:solidFill>
                   <a:schemeClr val="bg1"/>
                 </a:solidFill>
+                <a:latin typeface="Assistant" panose="00000500000000000000" pitchFamily="2" charset="-79"/>
+                <a:cs typeface="Assistant" panose="00000500000000000000" pitchFamily="2" charset="-79"/>
               </a:rPr>
               <a:t>That </a:t>
             </a:r>
             <a:r>
-              <a:rPr lang="en-US" sz="3600" dirty="0" err="1">
+              <a:rPr lang="en-US" sz="2800" spc="50" dirty="0" err="1">
                 <a:solidFill>
                   <a:schemeClr val="bg1"/>
                 </a:solidFill>
+                <a:latin typeface="Assistant" panose="00000500000000000000" pitchFamily="2" charset="-79"/>
+                <a:cs typeface="Assistant" panose="00000500000000000000" pitchFamily="2" charset="-79"/>
               </a:rPr>
               <a:t>o’erflow</a:t>
             </a:r>
             <a:r>
-              <a:rPr lang="en-US" sz="3600" dirty="0">
+              <a:rPr lang="en-US" sz="2800" spc="50" dirty="0">
                 <a:solidFill>
                   <a:schemeClr val="bg1"/>
                 </a:solidFill>
+                <a:latin typeface="Assistant" panose="00000500000000000000" pitchFamily="2" charset="-79"/>
+                <a:cs typeface="Assistant" panose="00000500000000000000" pitchFamily="2" charset="-79"/>
               </a:rPr>
               <a:t> with bliss divine,</a:t>
             </a:r>
           </a:p>
           <a:p>
             <a:pPr algn="ctr"/>
-            <a:endParaRPr lang="en-US" sz="3600" dirty="0">
+            <a:endParaRPr lang="en-US" sz="2800" spc="50" dirty="0">
               <a:solidFill>
                 <a:schemeClr val="bg1"/>
               </a:solidFill>
+              <a:latin typeface="Assistant" panose="00000500000000000000" pitchFamily="2" charset="-79"/>
+              <a:cs typeface="Assistant" panose="00000500000000000000" pitchFamily="2" charset="-79"/>
             </a:endParaRPr>
           </a:p>
           <a:p>
             <a:pPr algn="ctr"/>
             <a:r>
-              <a:rPr lang="en-US" sz="3600" dirty="0">
+              <a:rPr lang="en-US" sz="2800" spc="50" dirty="0">
                 <a:solidFill>
                   <a:schemeClr val="bg1"/>
                 </a:solidFill>
+                <a:latin typeface="Assistant" panose="00000500000000000000" pitchFamily="2" charset="-79"/>
+                <a:cs typeface="Assistant" panose="00000500000000000000" pitchFamily="2" charset="-79"/>
               </a:rPr>
               <a:t>Who proclaim the joyful tidings</a:t>
             </a:r>
@@ -3435,10 +3487,12 @@
           <a:p>
             <a:pPr algn="ctr"/>
             <a:r>
-              <a:rPr lang="en-US" sz="3600" dirty="0">
+              <a:rPr lang="en-US" sz="2800" spc="50" dirty="0">
                 <a:solidFill>
                   <a:schemeClr val="bg1"/>
                 </a:solidFill>
+                <a:latin typeface="Assistant" panose="00000500000000000000" pitchFamily="2" charset="-79"/>
+                <a:cs typeface="Assistant" panose="00000500000000000000" pitchFamily="2" charset="-79"/>
               </a:rPr>
               <a:t>Of salvation all around—</a:t>
             </a:r>
@@ -3446,26 +3500,32 @@
           <a:p>
             <a:pPr algn="ctr"/>
             <a:r>
-              <a:rPr lang="en-US" sz="3600" dirty="0">
+              <a:rPr lang="en-US" sz="2800" spc="50" dirty="0">
                 <a:solidFill>
                   <a:schemeClr val="bg1"/>
                 </a:solidFill>
+                <a:latin typeface="Assistant" panose="00000500000000000000" pitchFamily="2" charset="-79"/>
+                <a:cs typeface="Assistant" panose="00000500000000000000" pitchFamily="2" charset="-79"/>
               </a:rPr>
               <a:t>Disregard the world’s </a:t>
             </a:r>
             <a:r>
-              <a:rPr lang="en-US" sz="3600" dirty="0" err="1">
+              <a:rPr lang="en-US" sz="2800" spc="50" dirty="0" err="1">
                 <a:solidFill>
                   <a:schemeClr val="bg1"/>
                 </a:solidFill>
+                <a:latin typeface="Assistant" panose="00000500000000000000" pitchFamily="2" charset="-79"/>
+                <a:cs typeface="Assistant" panose="00000500000000000000" pitchFamily="2" charset="-79"/>
               </a:rPr>
               <a:t>deridings</a:t>
             </a:r>
             <a:r>
-              <a:rPr lang="en-US" sz="3600" dirty="0">
+              <a:rPr lang="en-US" sz="2800" spc="50" dirty="0">
                 <a:solidFill>
                   <a:schemeClr val="bg1"/>
                 </a:solidFill>
+                <a:latin typeface="Assistant" panose="00000500000000000000" pitchFamily="2" charset="-79"/>
+                <a:cs typeface="Assistant" panose="00000500000000000000" pitchFamily="2" charset="-79"/>
               </a:rPr>
               <a:t>,</a:t>
             </a:r>
@@ -3473,10 +3533,12 @@
           <a:p>
             <a:pPr algn="ctr"/>
             <a:r>
-              <a:rPr lang="en-US" sz="3600" dirty="0">
+              <a:rPr lang="en-US" sz="2800" spc="50" dirty="0">
                 <a:solidFill>
                   <a:schemeClr val="bg1"/>
                 </a:solidFill>
+                <a:latin typeface="Assistant" panose="00000500000000000000" pitchFamily="2" charset="-79"/>
+                <a:cs typeface="Assistant" panose="00000500000000000000" pitchFamily="2" charset="-79"/>
               </a:rPr>
               <a:t>And in works of love abound.</a:t>
             </a:r>
@@ -3578,8 +3640,8 @@
         </p:nvSpPr>
         <p:spPr>
           <a:xfrm>
-            <a:off x="0" y="5804209"/>
-            <a:ext cx="12192000" cy="830997"/>
+            <a:off x="0" y="5927320"/>
+            <a:ext cx="12192000" cy="584775"/>
           </a:xfrm>
           <a:prstGeom prst="rect">
             <a:avLst/>
@@ -3594,26 +3656,32 @@
           <a:p>
             <a:pPr algn="ctr"/>
             <a:r>
-              <a:rPr lang="en-US" sz="4800" dirty="0">
+              <a:rPr lang="en-US" sz="3200" u="sng" dirty="0">
                 <a:solidFill>
                   <a:schemeClr val="bg1"/>
                 </a:solidFill>
+                <a:latin typeface="Assistant SemiBold" panose="00000700000000000000" pitchFamily="2" charset="-79"/>
+                <a:cs typeface="Assistant SemiBold" panose="00000700000000000000" pitchFamily="2" charset="-79"/>
               </a:rPr>
               <a:t>“Praise the </a:t>
             </a:r>
             <a:r>
-              <a:rPr lang="en-US" sz="4800" dirty="0" err="1">
+              <a:rPr lang="en-US" sz="3200" u="sng" dirty="0" err="1">
                 <a:solidFill>
                   <a:schemeClr val="bg1"/>
                 </a:solidFill>
+                <a:latin typeface="Assistant SemiBold" panose="00000700000000000000" pitchFamily="2" charset="-79"/>
+                <a:cs typeface="Assistant SemiBold" panose="00000700000000000000" pitchFamily="2" charset="-79"/>
               </a:rPr>
               <a:t>Saviour</a:t>
             </a:r>
             <a:r>
-              <a:rPr lang="en-US" sz="4800" dirty="0">
+              <a:rPr lang="en-US" sz="3200" u="sng" dirty="0">
                 <a:solidFill>
                   <a:schemeClr val="bg1"/>
                 </a:solidFill>
+                <a:latin typeface="Assistant SemiBold" panose="00000700000000000000" pitchFamily="2" charset="-79"/>
+                <a:cs typeface="Assistant SemiBold" panose="00000700000000000000" pitchFamily="2" charset="-79"/>
               </a:rPr>
               <a:t>, All Ye Nations”</a:t>
             </a:r>
@@ -3628,8 +3696,8 @@
         </p:nvSpPr>
         <p:spPr>
           <a:xfrm>
-            <a:off x="0" y="282279"/>
-            <a:ext cx="12192000" cy="5078313"/>
+            <a:off x="0" y="816669"/>
+            <a:ext cx="12192000" cy="3970318"/>
           </a:xfrm>
           <a:prstGeom prst="rect">
             <a:avLst/>
@@ -3644,10 +3712,12 @@
           <a:p>
             <a:pPr algn="ctr"/>
             <a:r>
-              <a:rPr lang="en-US" sz="3600" dirty="0">
+              <a:rPr lang="en-US" sz="2800" spc="50" dirty="0">
                 <a:solidFill>
                   <a:schemeClr val="bg1"/>
                 </a:solidFill>
+                <a:latin typeface="Assistant" panose="00000500000000000000" pitchFamily="2" charset="-79"/>
+                <a:cs typeface="Assistant" panose="00000500000000000000" pitchFamily="2" charset="-79"/>
               </a:rPr>
               <a:t>With my substance I will honor</a:t>
             </a:r>
@@ -3655,10 +3725,12 @@
           <a:p>
             <a:pPr algn="ctr"/>
             <a:r>
-              <a:rPr lang="en-US" sz="3600" dirty="0">
+              <a:rPr lang="en-US" sz="2800" spc="50" dirty="0">
                 <a:solidFill>
                   <a:schemeClr val="bg1"/>
                 </a:solidFill>
+                <a:latin typeface="Assistant" panose="00000500000000000000" pitchFamily="2" charset="-79"/>
+                <a:cs typeface="Assistant" panose="00000500000000000000" pitchFamily="2" charset="-79"/>
               </a:rPr>
               <a:t>My Redeemer and my Lord;</a:t>
             </a:r>
@@ -3666,10 +3738,12 @@
           <a:p>
             <a:pPr algn="ctr"/>
             <a:r>
-              <a:rPr lang="en-US" sz="3600" dirty="0">
+              <a:rPr lang="en-US" sz="2800" spc="50" dirty="0">
                 <a:solidFill>
                   <a:schemeClr val="bg1"/>
                 </a:solidFill>
+                <a:latin typeface="Assistant" panose="00000500000000000000" pitchFamily="2" charset="-79"/>
+                <a:cs typeface="Assistant" panose="00000500000000000000" pitchFamily="2" charset="-79"/>
               </a:rPr>
               <a:t>Were ten thousand worlds my manor,</a:t>
             </a:r>
@@ -3677,29 +3751,35 @@
           <a:p>
             <a:pPr algn="ctr"/>
             <a:r>
-              <a:rPr lang="en-US" sz="3600" dirty="0">
+              <a:rPr lang="en-US" sz="2800" spc="50" dirty="0">
                 <a:solidFill>
                   <a:schemeClr val="bg1"/>
                 </a:solidFill>
+                <a:latin typeface="Assistant" panose="00000500000000000000" pitchFamily="2" charset="-79"/>
+                <a:cs typeface="Assistant" panose="00000500000000000000" pitchFamily="2" charset="-79"/>
               </a:rPr>
               <a:t>All were nothing to His word;</a:t>
             </a:r>
           </a:p>
           <a:p>
             <a:pPr algn="ctr"/>
-            <a:endParaRPr lang="en-US" sz="3600" dirty="0">
+            <a:endParaRPr lang="en-US" sz="2800" spc="50" dirty="0">
               <a:solidFill>
                 <a:schemeClr val="bg1"/>
               </a:solidFill>
+              <a:latin typeface="Assistant" panose="00000500000000000000" pitchFamily="2" charset="-79"/>
+              <a:cs typeface="Assistant" panose="00000500000000000000" pitchFamily="2" charset="-79"/>
             </a:endParaRPr>
           </a:p>
           <a:p>
             <a:pPr algn="ctr"/>
             <a:r>
-              <a:rPr lang="en-US" sz="3600" dirty="0">
+              <a:rPr lang="en-US" sz="2800" spc="50" dirty="0">
                 <a:solidFill>
                   <a:schemeClr val="bg1"/>
                 </a:solidFill>
+                <a:latin typeface="Assistant" panose="00000500000000000000" pitchFamily="2" charset="-79"/>
+                <a:cs typeface="Assistant" panose="00000500000000000000" pitchFamily="2" charset="-79"/>
               </a:rPr>
               <a:t>While the heralds of salvation</a:t>
             </a:r>
@@ -3707,10 +3787,12 @@
           <a:p>
             <a:pPr algn="ctr"/>
             <a:r>
-              <a:rPr lang="en-US" sz="3600" dirty="0">
+              <a:rPr lang="en-US" sz="2800" spc="50" dirty="0">
                 <a:solidFill>
                   <a:schemeClr val="bg1"/>
                 </a:solidFill>
+                <a:latin typeface="Assistant" panose="00000500000000000000" pitchFamily="2" charset="-79"/>
+                <a:cs typeface="Assistant" panose="00000500000000000000" pitchFamily="2" charset="-79"/>
               </a:rPr>
               <a:t>His abounding grace proclaim,</a:t>
             </a:r>
@@ -3718,10 +3800,12 @@
           <a:p>
             <a:pPr algn="ctr"/>
             <a:r>
-              <a:rPr lang="en-US" sz="3600" dirty="0">
+              <a:rPr lang="en-US" sz="2800" spc="50" dirty="0">
                 <a:solidFill>
                   <a:schemeClr val="bg1"/>
                 </a:solidFill>
+                <a:latin typeface="Assistant" panose="00000500000000000000" pitchFamily="2" charset="-79"/>
+                <a:cs typeface="Assistant" panose="00000500000000000000" pitchFamily="2" charset="-79"/>
               </a:rPr>
               <a:t>Let His friends of every station</a:t>
             </a:r>
@@ -3729,10 +3813,12 @@
           <a:p>
             <a:pPr algn="ctr"/>
             <a:r>
-              <a:rPr lang="en-US" sz="3600" dirty="0">
+              <a:rPr lang="en-US" sz="2800" spc="50" dirty="0">
                 <a:solidFill>
                   <a:schemeClr val="bg1"/>
                 </a:solidFill>
+                <a:latin typeface="Assistant" panose="00000500000000000000" pitchFamily="2" charset="-79"/>
+                <a:cs typeface="Assistant" panose="00000500000000000000" pitchFamily="2" charset="-79"/>
               </a:rPr>
               <a:t>Gladly join to spread His fame.</a:t>
             </a:r>
